--- a/docs_like_prosals/Capstone2025.pptx
+++ b/docs_like_prosals/Capstone2025.pptx
@@ -917,7 +917,7 @@
           </a:pPr>
           <a:r>
             <a:rPr lang="en-US" dirty="0"/>
-            <a:t>Integrating Unity and backend.</a:t>
+            <a:t>Integrating Unity and backend via http.</a:t>
           </a:r>
         </a:p>
       </dgm:t>
@@ -1085,7 +1085,7 @@
           </a:pPr>
           <a:r>
             <a:rPr lang="en-US" dirty="0"/>
-            <a:t>Designing integration of AI/ML models with data storage.</a:t>
+            <a:t>Training the ai/ml model.</a:t>
           </a:r>
         </a:p>
       </dgm:t>
@@ -1564,7 +1564,7 @@
         </a:bodyPr>
         <a:lstStyle/>
         <a:p>
-          <a:pPr marL="0" lvl="0" indent="0" algn="ctr" defTabSz="533400">
+          <a:pPr marL="0" lvl="0" indent="0" algn="ctr" defTabSz="577850">
             <a:lnSpc>
               <a:spcPct val="100000"/>
             </a:lnSpc>
@@ -1578,8 +1578,8 @@
             <a:defRPr cap="all"/>
           </a:pPr>
           <a:r>
-            <a:rPr lang="en-US" sz="1200" kern="1200" dirty="0"/>
-            <a:t>Integrating Unity and backend.</a:t>
+            <a:rPr lang="en-US" sz="1300" kern="1200" dirty="0"/>
+            <a:t>Integrating Unity and backend via http.</a:t>
           </a:r>
         </a:p>
       </dsp:txBody>
@@ -1713,7 +1713,7 @@
         </a:bodyPr>
         <a:lstStyle/>
         <a:p>
-          <a:pPr marL="0" lvl="0" indent="0" algn="ctr" defTabSz="533400">
+          <a:pPr marL="0" lvl="0" indent="0" algn="ctr" defTabSz="577850">
             <a:lnSpc>
               <a:spcPct val="100000"/>
             </a:lnSpc>
@@ -1727,7 +1727,7 @@
             <a:defRPr cap="all"/>
           </a:pPr>
           <a:r>
-            <a:rPr lang="en-US" sz="1200" kern="1200" dirty="0"/>
+            <a:rPr lang="en-US" sz="1300" kern="1200" dirty="0"/>
             <a:t>Designing realistic adaptive logic with limited data.</a:t>
           </a:r>
         </a:p>
@@ -1864,7 +1864,7 @@
         </a:bodyPr>
         <a:lstStyle/>
         <a:p>
-          <a:pPr marL="0" lvl="0" indent="0" algn="ctr" defTabSz="533400">
+          <a:pPr marL="0" lvl="0" indent="0" algn="ctr" defTabSz="577850">
             <a:lnSpc>
               <a:spcPct val="100000"/>
             </a:lnSpc>
@@ -1878,7 +1878,7 @@
             <a:defRPr cap="all"/>
           </a:pPr>
           <a:r>
-            <a:rPr lang="en-US" sz="1200" kern="1200" dirty="0"/>
+            <a:rPr lang="en-US" sz="1300" kern="1200" dirty="0"/>
             <a:t>Balancing learning and performance complexity.</a:t>
           </a:r>
         </a:p>
@@ -2015,7 +2015,7 @@
         </a:bodyPr>
         <a:lstStyle/>
         <a:p>
-          <a:pPr marL="0" lvl="0" indent="0" algn="ctr" defTabSz="533400">
+          <a:pPr marL="0" lvl="0" indent="0" algn="ctr" defTabSz="577850">
             <a:lnSpc>
               <a:spcPct val="100000"/>
             </a:lnSpc>
@@ -2029,7 +2029,7 @@
             <a:defRPr cap="all"/>
           </a:pPr>
           <a:r>
-            <a:rPr lang="en-US" sz="1200" kern="1200"/>
+            <a:rPr lang="en-US" sz="1300" kern="1200"/>
             <a:t>Persistence of NPC state.</a:t>
           </a:r>
         </a:p>
@@ -2166,7 +2166,7 @@
         </a:bodyPr>
         <a:lstStyle/>
         <a:p>
-          <a:pPr marL="0" lvl="0" indent="0" algn="ctr" defTabSz="533400">
+          <a:pPr marL="0" lvl="0" indent="0" algn="ctr" defTabSz="577850">
             <a:lnSpc>
               <a:spcPct val="100000"/>
             </a:lnSpc>
@@ -2180,8 +2180,8 @@
             <a:defRPr cap="all"/>
           </a:pPr>
           <a:r>
-            <a:rPr lang="en-US" sz="1200" kern="1200" dirty="0"/>
-            <a:t>Designing integration of AI/ML models with data storage.</a:t>
+            <a:rPr lang="en-US" sz="1300" kern="1200" dirty="0"/>
+            <a:t>Training the ai/ml model.</a:t>
           </a:r>
         </a:p>
       </dsp:txBody>
@@ -7066,6 +7066,147 @@
           </a:p>
         </p:txBody>
       </p:sp>
+      <p:pic>
+        <p:nvPicPr>
+          <p:cNvPr id="6148" name="Picture 4">
+            <a:extLst>
+              <a:ext uri="{FF2B5EF4-FFF2-40B4-BE49-F238E27FC236}">
+                <a16:creationId xmlns:a16="http://schemas.microsoft.com/office/drawing/2014/main" id="{23F27163-284F-4CCB-8E5A-0238EC380B4C}"/>
+              </a:ext>
+            </a:extLst>
+          </p:cNvPr>
+          <p:cNvPicPr>
+            <a:picLocks noChangeAspect="1" noChangeArrowheads="1"/>
+          </p:cNvPicPr>
+          <p:nvPr/>
+        </p:nvPicPr>
+        <p:blipFill>
+          <a:blip r:embed="rId2">
+            <a:extLst>
+              <a:ext uri="{28A0092B-C50C-407E-A947-70E740481C1C}">
+                <a14:useLocalDpi xmlns:a14="http://schemas.microsoft.com/office/drawing/2010/main" val="0"/>
+              </a:ext>
+            </a:extLst>
+          </a:blip>
+          <a:srcRect/>
+          <a:stretch>
+            <a:fillRect/>
+          </a:stretch>
+        </p:blipFill>
+        <p:spPr bwMode="auto">
+          <a:xfrm>
+            <a:off x="-168696" y="5638800"/>
+            <a:ext cx="12529391" cy="1318592"/>
+          </a:xfrm>
+          <a:prstGeom prst="rect">
+            <a:avLst/>
+          </a:prstGeom>
+          <a:noFill/>
+          <a:extLst>
+            <a:ext uri="{909E8E84-426E-40DD-AFC4-6F175D3DCCD1}">
+              <a14:hiddenFill xmlns:a14="http://schemas.microsoft.com/office/drawing/2010/main">
+                <a:solidFill>
+                  <a:srgbClr val="FFFFFF"/>
+                </a:solidFill>
+              </a14:hiddenFill>
+            </a:ext>
+          </a:extLst>
+        </p:spPr>
+      </p:pic>
+      <p:pic>
+        <p:nvPicPr>
+          <p:cNvPr id="6147" name="Picture 3" descr="A black and green background&#10;&#10;Description automatically generated">
+            <a:extLst>
+              <a:ext uri="{FF2B5EF4-FFF2-40B4-BE49-F238E27FC236}">
+                <a16:creationId xmlns:a16="http://schemas.microsoft.com/office/drawing/2014/main" id="{A641314E-2C06-6A33-F14D-F7F7878CF3FD}"/>
+              </a:ext>
+            </a:extLst>
+          </p:cNvPr>
+          <p:cNvPicPr>
+            <a:picLocks noChangeAspect="1" noChangeArrowheads="1"/>
+          </p:cNvPicPr>
+          <p:nvPr/>
+        </p:nvPicPr>
+        <p:blipFill>
+          <a:blip r:embed="rId3">
+            <a:extLst>
+              <a:ext uri="{28A0092B-C50C-407E-A947-70E740481C1C}">
+                <a14:useLocalDpi xmlns:a14="http://schemas.microsoft.com/office/drawing/2010/main" val="0"/>
+              </a:ext>
+            </a:extLst>
+          </a:blip>
+          <a:srcRect/>
+          <a:stretch>
+            <a:fillRect/>
+          </a:stretch>
+        </p:blipFill>
+        <p:spPr bwMode="auto">
+          <a:xfrm>
+            <a:off x="8193986" y="6091724"/>
+            <a:ext cx="3981450" cy="742950"/>
+          </a:xfrm>
+          <a:prstGeom prst="rect">
+            <a:avLst/>
+          </a:prstGeom>
+          <a:noFill/>
+          <a:extLst>
+            <a:ext uri="{909E8E84-426E-40DD-AFC4-6F175D3DCCD1}">
+              <a14:hiddenFill xmlns:a14="http://schemas.microsoft.com/office/drawing/2010/main">
+                <a:solidFill>
+                  <a:srgbClr val="FFFFFF"/>
+                </a:solidFill>
+              </a14:hiddenFill>
+            </a:ext>
+          </a:extLst>
+        </p:spPr>
+      </p:pic>
+      <p:pic>
+        <p:nvPicPr>
+          <p:cNvPr id="6146" name="Picture 2" descr="A logo with a green circle and white text&#10;&#10;Description automatically generated">
+            <a:extLst>
+              <a:ext uri="{FF2B5EF4-FFF2-40B4-BE49-F238E27FC236}">
+                <a16:creationId xmlns:a16="http://schemas.microsoft.com/office/drawing/2014/main" id="{39A7E851-9557-04B1-F1E3-D2CDA7C33759}"/>
+              </a:ext>
+            </a:extLst>
+          </p:cNvPr>
+          <p:cNvPicPr>
+            <a:picLocks noChangeAspect="1" noChangeArrowheads="1"/>
+          </p:cNvPicPr>
+          <p:nvPr/>
+        </p:nvPicPr>
+        <p:blipFill>
+          <a:blip r:embed="rId4">
+            <a:extLst>
+              <a:ext uri="{28A0092B-C50C-407E-A947-70E740481C1C}">
+                <a14:useLocalDpi xmlns:a14="http://schemas.microsoft.com/office/drawing/2010/main" val="0"/>
+              </a:ext>
+            </a:extLst>
+          </a:blip>
+          <a:srcRect/>
+          <a:stretch>
+            <a:fillRect/>
+          </a:stretch>
+        </p:blipFill>
+        <p:spPr bwMode="auto">
+          <a:xfrm>
+            <a:off x="138112" y="5950433"/>
+            <a:ext cx="1857375" cy="790575"/>
+          </a:xfrm>
+          <a:prstGeom prst="rect">
+            <a:avLst/>
+          </a:prstGeom>
+          <a:noFill/>
+          <a:extLst>
+            <a:ext uri="{909E8E84-426E-40DD-AFC4-6F175D3DCCD1}">
+              <a14:hiddenFill xmlns:a14="http://schemas.microsoft.com/office/drawing/2010/main">
+                <a:solidFill>
+                  <a:srgbClr val="FFFFFF"/>
+                </a:solidFill>
+              </a14:hiddenFill>
+            </a:ext>
+          </a:extLst>
+        </p:spPr>
+      </p:pic>
     </p:spTree>
     <p:extLst>
       <p:ext uri="{BB962C8B-B14F-4D97-AF65-F5344CB8AC3E}">
@@ -7162,6 +7303,53 @@
           <a:chExt cx="0" cy="0"/>
         </a:xfrm>
       </p:grpSpPr>
+      <p:pic>
+        <p:nvPicPr>
+          <p:cNvPr id="1026" name="Picture 2">
+            <a:extLst>
+              <a:ext uri="{FF2B5EF4-FFF2-40B4-BE49-F238E27FC236}">
+                <a16:creationId xmlns:a16="http://schemas.microsoft.com/office/drawing/2014/main" id="{8FEDC7B8-3347-F022-318A-46B4D0C000E0}"/>
+              </a:ext>
+            </a:extLst>
+          </p:cNvPr>
+          <p:cNvPicPr>
+            <a:picLocks noChangeAspect="1" noChangeArrowheads="1"/>
+          </p:cNvPicPr>
+          <p:nvPr/>
+        </p:nvPicPr>
+        <p:blipFill>
+          <a:blip r:embed="rId2">
+            <a:extLst>
+              <a:ext uri="{28A0092B-C50C-407E-A947-70E740481C1C}">
+                <a14:useLocalDpi xmlns:a14="http://schemas.microsoft.com/office/drawing/2010/main" val="0"/>
+              </a:ext>
+            </a:extLst>
+          </a:blip>
+          <a:srcRect/>
+          <a:stretch>
+            <a:fillRect/>
+          </a:stretch>
+        </p:blipFill>
+        <p:spPr bwMode="auto">
+          <a:xfrm>
+            <a:off x="9048328" y="34451"/>
+            <a:ext cx="3806825" cy="6858000"/>
+          </a:xfrm>
+          <a:prstGeom prst="rect">
+            <a:avLst/>
+          </a:prstGeom>
+          <a:noFill/>
+          <a:extLst>
+            <a:ext uri="{909E8E84-426E-40DD-AFC4-6F175D3DCCD1}">
+              <a14:hiddenFill xmlns:a14="http://schemas.microsoft.com/office/drawing/2010/main">
+                <a:solidFill>
+                  <a:srgbClr val="FFFFFF"/>
+                </a:solidFill>
+              </a14:hiddenFill>
+            </a:ext>
+          </a:extLst>
+        </p:spPr>
+      </p:pic>
       <p:sp>
         <p:nvSpPr>
           <p:cNvPr id="13" name="Title 12"/>
@@ -7195,9 +7383,16 @@
             <p:ph idx="1"/>
           </p:nvPr>
         </p:nvSpPr>
-        <p:spPr/>
+        <p:spPr>
+          <a:xfrm>
+            <a:off x="1524000" y="1828800"/>
+            <a:ext cx="7812360" cy="4267200"/>
+          </a:xfrm>
+        </p:spPr>
         <p:txBody>
-          <a:bodyPr/>
+          <a:bodyPr>
+            <a:normAutofit lnSpcReduction="10000"/>
+          </a:bodyPr>
           <a:lstStyle/>
           <a:p>
             <a:r>
@@ -7297,6 +7492,53 @@
           <a:chExt cx="0" cy="0"/>
         </a:xfrm>
       </p:grpSpPr>
+      <p:pic>
+        <p:nvPicPr>
+          <p:cNvPr id="2052" name="Picture 4" descr="Shape, circle&#10;&#10;Description automatically generated">
+            <a:extLst>
+              <a:ext uri="{FF2B5EF4-FFF2-40B4-BE49-F238E27FC236}">
+                <a16:creationId xmlns:a16="http://schemas.microsoft.com/office/drawing/2014/main" id="{165CB97B-9D90-7870-5BA6-AB05A0356932}"/>
+              </a:ext>
+            </a:extLst>
+          </p:cNvPr>
+          <p:cNvPicPr>
+            <a:picLocks noChangeAspect="1" noChangeArrowheads="1"/>
+          </p:cNvPicPr>
+          <p:nvPr/>
+        </p:nvPicPr>
+        <p:blipFill>
+          <a:blip r:embed="rId2">
+            <a:extLst>
+              <a:ext uri="{28A0092B-C50C-407E-A947-70E740481C1C}">
+                <a14:useLocalDpi xmlns:a14="http://schemas.microsoft.com/office/drawing/2010/main" val="0"/>
+              </a:ext>
+            </a:extLst>
+          </a:blip>
+          <a:srcRect/>
+          <a:stretch>
+            <a:fillRect/>
+          </a:stretch>
+        </p:blipFill>
+        <p:spPr bwMode="auto">
+          <a:xfrm>
+            <a:off x="0" y="-12576"/>
+            <a:ext cx="10525125" cy="6343650"/>
+          </a:xfrm>
+          <a:prstGeom prst="rect">
+            <a:avLst/>
+          </a:prstGeom>
+          <a:noFill/>
+          <a:extLst>
+            <a:ext uri="{909E8E84-426E-40DD-AFC4-6F175D3DCCD1}">
+              <a14:hiddenFill xmlns:a14="http://schemas.microsoft.com/office/drawing/2010/main">
+                <a:solidFill>
+                  <a:srgbClr val="FFFFFF"/>
+                </a:solidFill>
+              </a14:hiddenFill>
+            </a:ext>
+          </a:extLst>
+        </p:spPr>
+      </p:pic>
       <p:sp>
         <p:nvSpPr>
           <p:cNvPr id="2" name="Title 1"/>
@@ -7313,10 +7555,18 @@
           <a:lstStyle/>
           <a:p>
             <a:r>
-              <a:rPr lang="en-CA" dirty="0"/>
+              <a:rPr lang="en-CA" b="1" dirty="0">
+                <a:solidFill>
+                  <a:schemeClr val="bg1"/>
+                </a:solidFill>
+              </a:rPr>
               <a:t>Solution Overview</a:t>
             </a:r>
-            <a:endParaRPr dirty="0"/>
+            <a:endParaRPr b="1" dirty="0">
+              <a:solidFill>
+                <a:schemeClr val="bg1"/>
+              </a:solidFill>
+            </a:endParaRPr>
           </a:p>
         </p:txBody>
       </p:sp>
@@ -7373,6 +7623,53 @@
           </a:p>
         </p:txBody>
       </p:sp>
+      <p:pic>
+        <p:nvPicPr>
+          <p:cNvPr id="2054" name="Picture 6" descr="Shape, circle&#10;&#10;Description automatically generated">
+            <a:extLst>
+              <a:ext uri="{FF2B5EF4-FFF2-40B4-BE49-F238E27FC236}">
+                <a16:creationId xmlns:a16="http://schemas.microsoft.com/office/drawing/2014/main" id="{559CF91B-0F1B-C555-BE03-980F548414D4}"/>
+              </a:ext>
+            </a:extLst>
+          </p:cNvPr>
+          <p:cNvPicPr>
+            <a:picLocks noChangeAspect="1" noChangeArrowheads="1"/>
+          </p:cNvPicPr>
+          <p:nvPr/>
+        </p:nvPicPr>
+        <p:blipFill>
+          <a:blip r:embed="rId3">
+            <a:extLst>
+              <a:ext uri="{28A0092B-C50C-407E-A947-70E740481C1C}">
+                <a14:useLocalDpi xmlns:a14="http://schemas.microsoft.com/office/drawing/2010/main" val="0"/>
+              </a:ext>
+            </a:extLst>
+          </a:blip>
+          <a:srcRect/>
+          <a:stretch>
+            <a:fillRect/>
+          </a:stretch>
+        </p:blipFill>
+        <p:spPr bwMode="auto">
+          <a:xfrm>
+            <a:off x="8976320" y="-315416"/>
+            <a:ext cx="3648075" cy="4533900"/>
+          </a:xfrm>
+          <a:prstGeom prst="rect">
+            <a:avLst/>
+          </a:prstGeom>
+          <a:noFill/>
+          <a:extLst>
+            <a:ext uri="{909E8E84-426E-40DD-AFC4-6F175D3DCCD1}">
+              <a14:hiddenFill xmlns:a14="http://schemas.microsoft.com/office/drawing/2010/main">
+                <a:solidFill>
+                  <a:srgbClr val="FFFFFF"/>
+                </a:solidFill>
+              </a14:hiddenFill>
+            </a:ext>
+          </a:extLst>
+        </p:spPr>
+      </p:pic>
     </p:spTree>
     <p:extLst>
       <p:ext uri="{BB962C8B-B14F-4D97-AF65-F5344CB8AC3E}">
@@ -7443,9 +7740,12 @@
         </p:nvSpPr>
         <p:spPr>
           <a:xfrm>
-            <a:off x="695400" y="1844825"/>
-            <a:ext cx="10801199" cy="648072"/>
+            <a:off x="695401" y="1844825"/>
+            <a:ext cx="10657184" cy="648072"/>
           </a:xfrm>
+          <a:solidFill>
+            <a:schemeClr val="bg1"/>
+          </a:solidFill>
         </p:spPr>
         <p:txBody>
           <a:bodyPr/>
@@ -7808,6 +8108,53 @@
           </a:p>
         </p:txBody>
       </p:sp>
+      <p:pic>
+        <p:nvPicPr>
+          <p:cNvPr id="3076" name="Picture 4">
+            <a:extLst>
+              <a:ext uri="{FF2B5EF4-FFF2-40B4-BE49-F238E27FC236}">
+                <a16:creationId xmlns:a16="http://schemas.microsoft.com/office/drawing/2014/main" id="{FA3A9BE7-EBA7-7B60-6960-35B7C8151EB0}"/>
+              </a:ext>
+            </a:extLst>
+          </p:cNvPr>
+          <p:cNvPicPr>
+            <a:picLocks noChangeAspect="1" noChangeArrowheads="1"/>
+          </p:cNvPicPr>
+          <p:nvPr/>
+        </p:nvPicPr>
+        <p:blipFill>
+          <a:blip r:embed="rId2">
+            <a:extLst>
+              <a:ext uri="{28A0092B-C50C-407E-A947-70E740481C1C}">
+                <a14:useLocalDpi xmlns:a14="http://schemas.microsoft.com/office/drawing/2010/main" val="0"/>
+              </a:ext>
+            </a:extLst>
+          </a:blip>
+          <a:srcRect/>
+          <a:stretch>
+            <a:fillRect/>
+          </a:stretch>
+        </p:blipFill>
+        <p:spPr bwMode="auto">
+          <a:xfrm>
+            <a:off x="9325017" y="3695700"/>
+            <a:ext cx="2838450" cy="3162300"/>
+          </a:xfrm>
+          <a:prstGeom prst="rect">
+            <a:avLst/>
+          </a:prstGeom>
+          <a:noFill/>
+          <a:extLst>
+            <a:ext uri="{909E8E84-426E-40DD-AFC4-6F175D3DCCD1}">
+              <a14:hiddenFill xmlns:a14="http://schemas.microsoft.com/office/drawing/2010/main">
+                <a:solidFill>
+                  <a:srgbClr val="FFFFFF"/>
+                </a:solidFill>
+              </a14:hiddenFill>
+            </a:ext>
+          </a:extLst>
+        </p:spPr>
+      </p:pic>
     </p:spTree>
     <p:extLst>
       <p:ext uri="{BB962C8B-B14F-4D97-AF65-F5344CB8AC3E}">
@@ -7969,6 +8316,100 @@
           </a:p>
         </p:txBody>
       </p:sp>
+      <p:pic>
+        <p:nvPicPr>
+          <p:cNvPr id="4098" name="Picture 2" descr="Shape, circle&#10;&#10;Description automatically generated">
+            <a:extLst>
+              <a:ext uri="{FF2B5EF4-FFF2-40B4-BE49-F238E27FC236}">
+                <a16:creationId xmlns:a16="http://schemas.microsoft.com/office/drawing/2014/main" id="{0D4C7AAC-E4E1-49D1-98E7-36767D0AD041}"/>
+              </a:ext>
+            </a:extLst>
+          </p:cNvPr>
+          <p:cNvPicPr>
+            <a:picLocks noChangeAspect="1" noChangeArrowheads="1"/>
+          </p:cNvPicPr>
+          <p:nvPr/>
+        </p:nvPicPr>
+        <p:blipFill>
+          <a:blip r:embed="rId2">
+            <a:extLst>
+              <a:ext uri="{28A0092B-C50C-407E-A947-70E740481C1C}">
+                <a14:useLocalDpi xmlns:a14="http://schemas.microsoft.com/office/drawing/2010/main" val="0"/>
+              </a:ext>
+            </a:extLst>
+          </a:blip>
+          <a:srcRect/>
+          <a:stretch>
+            <a:fillRect/>
+          </a:stretch>
+        </p:blipFill>
+        <p:spPr bwMode="auto">
+          <a:xfrm>
+            <a:off x="7320136" y="-1251520"/>
+            <a:ext cx="6167437" cy="6858000"/>
+          </a:xfrm>
+          <a:prstGeom prst="rect">
+            <a:avLst/>
+          </a:prstGeom>
+          <a:noFill/>
+          <a:extLst>
+            <a:ext uri="{909E8E84-426E-40DD-AFC4-6F175D3DCCD1}">
+              <a14:hiddenFill xmlns:a14="http://schemas.microsoft.com/office/drawing/2010/main">
+                <a:solidFill>
+                  <a:srgbClr val="FFFFFF"/>
+                </a:solidFill>
+              </a14:hiddenFill>
+            </a:ext>
+          </a:extLst>
+        </p:spPr>
+      </p:pic>
+      <p:pic>
+        <p:nvPicPr>
+          <p:cNvPr id="4100" name="Picture 4">
+            <a:extLst>
+              <a:ext uri="{FF2B5EF4-FFF2-40B4-BE49-F238E27FC236}">
+                <a16:creationId xmlns:a16="http://schemas.microsoft.com/office/drawing/2014/main" id="{D3848D58-6119-1385-1DEF-02B781AF4C63}"/>
+              </a:ext>
+            </a:extLst>
+          </p:cNvPr>
+          <p:cNvPicPr>
+            <a:picLocks noChangeAspect="1" noChangeArrowheads="1"/>
+          </p:cNvPicPr>
+          <p:nvPr/>
+        </p:nvPicPr>
+        <p:blipFill>
+          <a:blip r:embed="rId3">
+            <a:extLst>
+              <a:ext uri="{28A0092B-C50C-407E-A947-70E740481C1C}">
+                <a14:useLocalDpi xmlns:a14="http://schemas.microsoft.com/office/drawing/2010/main" val="0"/>
+              </a:ext>
+            </a:extLst>
+          </a:blip>
+          <a:srcRect/>
+          <a:stretch>
+            <a:fillRect/>
+          </a:stretch>
+        </p:blipFill>
+        <p:spPr bwMode="auto">
+          <a:xfrm>
+            <a:off x="9353550" y="3573016"/>
+            <a:ext cx="2838450" cy="3162300"/>
+          </a:xfrm>
+          <a:prstGeom prst="rect">
+            <a:avLst/>
+          </a:prstGeom>
+          <a:noFill/>
+          <a:extLst>
+            <a:ext uri="{909E8E84-426E-40DD-AFC4-6F175D3DCCD1}">
+              <a14:hiddenFill xmlns:a14="http://schemas.microsoft.com/office/drawing/2010/main">
+                <a:solidFill>
+                  <a:srgbClr val="FFFFFF"/>
+                </a:solidFill>
+              </a14:hiddenFill>
+            </a:ext>
+          </a:extLst>
+        </p:spPr>
+      </p:pic>
     </p:spTree>
     <p:extLst>
       <p:ext uri="{BB962C8B-B14F-4D97-AF65-F5344CB8AC3E}">
@@ -8320,6 +8761,53 @@
           </a:p>
         </p:txBody>
       </p:sp>
+      <p:pic>
+        <p:nvPicPr>
+          <p:cNvPr id="4" name="Picture 2">
+            <a:extLst>
+              <a:ext uri="{FF2B5EF4-FFF2-40B4-BE49-F238E27FC236}">
+                <a16:creationId xmlns:a16="http://schemas.microsoft.com/office/drawing/2014/main" id="{C35D7105-F001-37E4-AF11-F55FC958F15C}"/>
+              </a:ext>
+            </a:extLst>
+          </p:cNvPr>
+          <p:cNvPicPr>
+            <a:picLocks noChangeAspect="1" noChangeArrowheads="1"/>
+          </p:cNvPicPr>
+          <p:nvPr/>
+        </p:nvPicPr>
+        <p:blipFill>
+          <a:blip r:embed="rId2">
+            <a:extLst>
+              <a:ext uri="{28A0092B-C50C-407E-A947-70E740481C1C}">
+                <a14:useLocalDpi xmlns:a14="http://schemas.microsoft.com/office/drawing/2010/main" val="0"/>
+              </a:ext>
+            </a:extLst>
+          </a:blip>
+          <a:srcRect/>
+          <a:stretch>
+            <a:fillRect/>
+          </a:stretch>
+        </p:blipFill>
+        <p:spPr bwMode="auto">
+          <a:xfrm>
+            <a:off x="9120336" y="0"/>
+            <a:ext cx="3806825" cy="6858000"/>
+          </a:xfrm>
+          <a:prstGeom prst="rect">
+            <a:avLst/>
+          </a:prstGeom>
+          <a:noFill/>
+          <a:extLst>
+            <a:ext uri="{909E8E84-426E-40DD-AFC4-6F175D3DCCD1}">
+              <a14:hiddenFill xmlns:a14="http://schemas.microsoft.com/office/drawing/2010/main">
+                <a:solidFill>
+                  <a:srgbClr val="FFFFFF"/>
+                </a:solidFill>
+              </a14:hiddenFill>
+            </a:ext>
+          </a:extLst>
+        </p:spPr>
+      </p:pic>
     </p:spTree>
     <p:extLst>
       <p:ext uri="{BB962C8B-B14F-4D97-AF65-F5344CB8AC3E}">
@@ -8426,7 +8914,7 @@
           <p:nvPr>
             <p:extLst>
               <p:ext uri="{D42A27DB-BD31-4B8C-83A1-F6EECF244321}">
-                <p14:modId xmlns:p14="http://schemas.microsoft.com/office/powerpoint/2010/main" val="3454271842"/>
+                <p14:modId xmlns:p14="http://schemas.microsoft.com/office/powerpoint/2010/main" val="2427502428"/>
               </p:ext>
             </p:extLst>
           </p:nvPr>
@@ -8441,6 +8929,53 @@
           </a:graphicData>
         </a:graphic>
       </p:graphicFrame>
+      <p:pic>
+        <p:nvPicPr>
+          <p:cNvPr id="5122" name="Picture 2" descr="Shape, circle&#10;&#10;Description automatically generated">
+            <a:extLst>
+              <a:ext uri="{FF2B5EF4-FFF2-40B4-BE49-F238E27FC236}">
+                <a16:creationId xmlns:a16="http://schemas.microsoft.com/office/drawing/2014/main" id="{BD7858E8-8EE4-074B-75CC-B97CD6706449}"/>
+              </a:ext>
+            </a:extLst>
+          </p:cNvPr>
+          <p:cNvPicPr>
+            <a:picLocks noChangeAspect="1" noChangeArrowheads="1"/>
+          </p:cNvPicPr>
+          <p:nvPr/>
+        </p:nvPicPr>
+        <p:blipFill>
+          <a:blip r:embed="rId7">
+            <a:extLst>
+              <a:ext uri="{28A0092B-C50C-407E-A947-70E740481C1C}">
+                <a14:useLocalDpi xmlns:a14="http://schemas.microsoft.com/office/drawing/2010/main" val="0"/>
+              </a:ext>
+            </a:extLst>
+          </a:blip>
+          <a:srcRect/>
+          <a:stretch>
+            <a:fillRect/>
+          </a:stretch>
+        </p:blipFill>
+        <p:spPr bwMode="auto">
+          <a:xfrm>
+            <a:off x="-942528" y="2348880"/>
+            <a:ext cx="7344816" cy="7178613"/>
+          </a:xfrm>
+          <a:prstGeom prst="rect">
+            <a:avLst/>
+          </a:prstGeom>
+          <a:noFill/>
+          <a:extLst>
+            <a:ext uri="{909E8E84-426E-40DD-AFC4-6F175D3DCCD1}">
+              <a14:hiddenFill xmlns:a14="http://schemas.microsoft.com/office/drawing/2010/main">
+                <a:solidFill>
+                  <a:srgbClr val="FFFFFF"/>
+                </a:solidFill>
+              </a14:hiddenFill>
+            </a:ext>
+          </a:extLst>
+        </p:spPr>
+      </p:pic>
     </p:spTree>
     <p:extLst>
       <p:ext uri="{BB962C8B-B14F-4D97-AF65-F5344CB8AC3E}">
@@ -8790,6 +9325,100 @@
           </a:p>
         </p:txBody>
       </p:sp>
+      <p:pic>
+        <p:nvPicPr>
+          <p:cNvPr id="7170" name="Picture 2">
+            <a:extLst>
+              <a:ext uri="{FF2B5EF4-FFF2-40B4-BE49-F238E27FC236}">
+                <a16:creationId xmlns:a16="http://schemas.microsoft.com/office/drawing/2014/main" id="{0F903382-8236-2A27-9A5B-CC77F5838C5C}"/>
+              </a:ext>
+            </a:extLst>
+          </p:cNvPr>
+          <p:cNvPicPr>
+            <a:picLocks noChangeAspect="1" noChangeArrowheads="1"/>
+          </p:cNvPicPr>
+          <p:nvPr/>
+        </p:nvPicPr>
+        <p:blipFill>
+          <a:blip r:embed="rId2">
+            <a:extLst>
+              <a:ext uri="{28A0092B-C50C-407E-A947-70E740481C1C}">
+                <a14:useLocalDpi xmlns:a14="http://schemas.microsoft.com/office/drawing/2010/main" val="0"/>
+              </a:ext>
+            </a:extLst>
+          </a:blip>
+          <a:srcRect/>
+          <a:stretch>
+            <a:fillRect/>
+          </a:stretch>
+        </p:blipFill>
+        <p:spPr bwMode="auto">
+          <a:xfrm>
+            <a:off x="9763125" y="0"/>
+            <a:ext cx="2428875" cy="2181225"/>
+          </a:xfrm>
+          <a:prstGeom prst="rect">
+            <a:avLst/>
+          </a:prstGeom>
+          <a:noFill/>
+          <a:extLst>
+            <a:ext uri="{909E8E84-426E-40DD-AFC4-6F175D3DCCD1}">
+              <a14:hiddenFill xmlns:a14="http://schemas.microsoft.com/office/drawing/2010/main">
+                <a:solidFill>
+                  <a:srgbClr val="FFFFFF"/>
+                </a:solidFill>
+              </a14:hiddenFill>
+            </a:ext>
+          </a:extLst>
+        </p:spPr>
+      </p:pic>
+      <p:pic>
+        <p:nvPicPr>
+          <p:cNvPr id="7172" name="Picture 4">
+            <a:extLst>
+              <a:ext uri="{FF2B5EF4-FFF2-40B4-BE49-F238E27FC236}">
+                <a16:creationId xmlns:a16="http://schemas.microsoft.com/office/drawing/2014/main" id="{61511B94-B539-2B6D-88E5-847FE742386A}"/>
+              </a:ext>
+            </a:extLst>
+          </p:cNvPr>
+          <p:cNvPicPr>
+            <a:picLocks noChangeAspect="1" noChangeArrowheads="1"/>
+          </p:cNvPicPr>
+          <p:nvPr/>
+        </p:nvPicPr>
+        <p:blipFill>
+          <a:blip r:embed="rId3">
+            <a:extLst>
+              <a:ext uri="{28A0092B-C50C-407E-A947-70E740481C1C}">
+                <a14:useLocalDpi xmlns:a14="http://schemas.microsoft.com/office/drawing/2010/main" val="0"/>
+              </a:ext>
+            </a:extLst>
+          </a:blip>
+          <a:srcRect/>
+          <a:stretch>
+            <a:fillRect/>
+          </a:stretch>
+        </p:blipFill>
+        <p:spPr bwMode="auto">
+          <a:xfrm>
+            <a:off x="0" y="5467350"/>
+            <a:ext cx="1552575" cy="1390650"/>
+          </a:xfrm>
+          <a:prstGeom prst="rect">
+            <a:avLst/>
+          </a:prstGeom>
+          <a:noFill/>
+          <a:extLst>
+            <a:ext uri="{909E8E84-426E-40DD-AFC4-6F175D3DCCD1}">
+              <a14:hiddenFill xmlns:a14="http://schemas.microsoft.com/office/drawing/2010/main">
+                <a:solidFill>
+                  <a:srgbClr val="FFFFFF"/>
+                </a:solidFill>
+              </a14:hiddenFill>
+            </a:ext>
+          </a:extLst>
+        </p:spPr>
+      </p:pic>
     </p:spTree>
     <p:extLst>
       <p:ext uri="{BB962C8B-B14F-4D97-AF65-F5344CB8AC3E}">
@@ -8890,15 +9519,6 @@
           <a:solidFill>
             <a:srgbClr val="FFFFFF"/>
           </a:solidFill>
-          <a:extLst>
-            <a:ext uri="{909E8E84-426E-40DD-AFC4-6F175D3DCCD1}">
-              <a14:hiddenFill xmlns:a14="http://schemas.microsoft.com/office/drawing/2010/main">
-                <a:solidFill>
-                  <a:srgbClr val="FFFFFF"/>
-                </a:solidFill>
-              </a14:hiddenFill>
-            </a:ext>
-          </a:extLst>
         </p:spPr>
       </p:pic>
     </p:spTree>

--- a/docs_like_prosals/Capstone2025.pptx
+++ b/docs_like_prosals/Capstone2025.pptx
@@ -3525,7 +3525,7 @@
           <a:p>
             <a:fld id="{762B48F5-BACC-47D6-A0F7-82FBF9C6BC85}" type="datetimeFigureOut">
               <a:rPr lang="en-US"/>
-              <a:t>10/7/2025</a:t>
+              <a:t>10/8/2025</a:t>
             </a:fld>
             <a:endParaRPr/>
           </a:p>
@@ -3690,7 +3690,7 @@
           <a:p>
             <a:fld id="{0CB1CD00-5424-4675-AB18-2C419B060449}" type="datetimeFigureOut">
               <a:rPr lang="en-US"/>
-              <a:t>10/7/2025</a:t>
+              <a:t>10/8/2025</a:t>
             </a:fld>
             <a:endParaRPr/>
           </a:p>
@@ -4335,7 +4335,7 @@
           <a:p>
             <a:fld id="{37CC0096-1860-4642-9CD2-0079EA5E7CD1}" type="datetimeFigureOut">
               <a:rPr lang="en-US" smtClean="0"/>
-              <a:t>10/7/2025</a:t>
+              <a:t>10/8/2025</a:t>
             </a:fld>
             <a:endParaRPr lang="en-US"/>
           </a:p>
@@ -4514,7 +4514,7 @@
           <a:p>
             <a:fld id="{37CC0096-1860-4642-9CD2-0079EA5E7CD1}" type="datetimeFigureOut">
               <a:rPr lang="en-US" smtClean="0"/>
-              <a:t>10/7/2025</a:t>
+              <a:t>10/8/2025</a:t>
             </a:fld>
             <a:endParaRPr lang="en-US"/>
           </a:p>
@@ -4687,7 +4687,7 @@
           <a:p>
             <a:fld id="{37CC0096-1860-4642-9CD2-0079EA5E7CD1}" type="datetimeFigureOut">
               <a:rPr lang="en-US" smtClean="0"/>
-              <a:t>10/7/2025</a:t>
+              <a:t>10/8/2025</a:t>
             </a:fld>
             <a:endParaRPr lang="en-US"/>
           </a:p>
@@ -5120,7 +5120,7 @@
           <a:p>
             <a:fld id="{37CC0096-1860-4642-9CD2-0079EA5E7CD1}" type="datetimeFigureOut">
               <a:rPr lang="en-US" smtClean="0"/>
-              <a:t>10/7/2025</a:t>
+              <a:t>10/8/2025</a:t>
             </a:fld>
             <a:endParaRPr lang="en-US"/>
           </a:p>
@@ -5559,7 +5559,7 @@
           <a:p>
             <a:fld id="{37CC0096-1860-4642-9CD2-0079EA5E7CD1}" type="datetimeFigureOut">
               <a:rPr lang="en-US" smtClean="0"/>
-              <a:t>10/7/2025</a:t>
+              <a:t>10/8/2025</a:t>
             </a:fld>
             <a:endParaRPr lang="en-US"/>
           </a:p>
@@ -5676,7 +5676,7 @@
           <a:p>
             <a:fld id="{37CC0096-1860-4642-9CD2-0079EA5E7CD1}" type="datetimeFigureOut">
               <a:rPr lang="en-US" smtClean="0"/>
-              <a:t>10/7/2025</a:t>
+              <a:t>10/8/2025</a:t>
             </a:fld>
             <a:endParaRPr lang="en-US"/>
           </a:p>
@@ -5771,7 +5771,7 @@
           <a:p>
             <a:fld id="{37CC0096-1860-4642-9CD2-0079EA5E7CD1}" type="datetimeFigureOut">
               <a:rPr lang="en-US" smtClean="0"/>
-              <a:t>10/7/2025</a:t>
+              <a:t>10/8/2025</a:t>
             </a:fld>
             <a:endParaRPr lang="en-US"/>
           </a:p>
@@ -6055,7 +6055,7 @@
           <a:p>
             <a:fld id="{37CC0096-1860-4642-9CD2-0079EA5E7CD1}" type="datetimeFigureOut">
               <a:rPr lang="en-US" smtClean="0"/>
-              <a:t>10/7/2025</a:t>
+              <a:t>10/8/2025</a:t>
             </a:fld>
             <a:endParaRPr lang="en-US"/>
           </a:p>
@@ -6366,7 +6366,7 @@
           <a:p>
             <a:fld id="{37CC0096-1860-4642-9CD2-0079EA5E7CD1}" type="datetimeFigureOut">
               <a:rPr lang="en-US" smtClean="0"/>
-              <a:t>10/7/2025</a:t>
+              <a:t>10/8/2025</a:t>
             </a:fld>
             <a:endParaRPr lang="en-US"/>
           </a:p>
@@ -6598,7 +6598,7 @@
             <a:fld id="{37CC0096-1860-4642-9CD2-0079EA5E7CD1}" type="datetimeFigureOut">
               <a:rPr lang="en-US" smtClean="0"/>
               <a:pPr/>
-              <a:t>10/7/2025</a:t>
+              <a:t>10/8/2025</a:t>
             </a:fld>
             <a:endParaRPr lang="en-US"/>
           </a:p>
@@ -7037,7 +7037,7 @@
           <a:p>
             <a:r>
               <a:rPr lang="en-CA" dirty="0"/>
-              <a:t>NYAG</a:t>
+              <a:t>NYAN</a:t>
             </a:r>
             <a:endParaRPr dirty="0"/>
           </a:p>
